--- a/Clouducate.pptx
+++ b/Clouducate.pptx
@@ -255,7 +255,7 @@
   <pc:docChgLst>
     <pc:chgData name="Norbert Monfort" userId="313eecee9035a064" providerId="LiveId" clId="{EF14E3F2-EDDA-4466-A1E5-8204D30344E0}"/>
     <pc:docChg chg="undo custSel addSld delSld modSld sldOrd">
-      <pc:chgData name="Norbert Monfort" userId="313eecee9035a064" providerId="LiveId" clId="{EF14E3F2-EDDA-4466-A1E5-8204D30344E0}" dt="2025-12-07T04:38:55.485" v="6586" actId="20577"/>
+      <pc:chgData name="Norbert Monfort" userId="313eecee9035a064" providerId="LiveId" clId="{EF14E3F2-EDDA-4466-A1E5-8204D30344E0}" dt="2025-12-07T19:10:00.634" v="6650" actId="20577"/>
       <pc:docMkLst>
         <pc:docMk/>
       </pc:docMkLst>
@@ -1037,13 +1037,13 @@
         </pc:spChg>
       </pc:sldChg>
       <pc:sldChg chg="modSp add mod">
-        <pc:chgData name="Norbert Monfort" userId="313eecee9035a064" providerId="LiveId" clId="{EF14E3F2-EDDA-4466-A1E5-8204D30344E0}" dt="2025-12-07T04:38:55.485" v="6586" actId="20577"/>
+        <pc:chgData name="Norbert Monfort" userId="313eecee9035a064" providerId="LiveId" clId="{EF14E3F2-EDDA-4466-A1E5-8204D30344E0}" dt="2025-12-07T19:10:00.634" v="6650" actId="20577"/>
         <pc:sldMkLst>
           <pc:docMk/>
           <pc:sldMk cId="1677408485" sldId="349"/>
         </pc:sldMkLst>
         <pc:spChg chg="mod">
-          <ac:chgData name="Norbert Monfort" userId="313eecee9035a064" providerId="LiveId" clId="{EF14E3F2-EDDA-4466-A1E5-8204D30344E0}" dt="2025-12-07T04:38:55.485" v="6586" actId="20577"/>
+          <ac:chgData name="Norbert Monfort" userId="313eecee9035a064" providerId="LiveId" clId="{EF14E3F2-EDDA-4466-A1E5-8204D30344E0}" dt="2025-12-07T19:10:00.634" v="6650" actId="20577"/>
           <ac:spMkLst>
             <pc:docMk/>
             <pc:sldMk cId="1677408485" sldId="349"/>
@@ -1713,7 +1713,7 @@
           <a:p>
             <a:fld id="{DDCD1E3B-88E3-448C-A717-17B9C50276B8}" type="datetimeFigureOut">
               <a:rPr lang="en-US" smtClean="0"/>
-              <a:t>12/6/2025</a:t>
+              <a:t>12/7/2025</a:t>
             </a:fld>
             <a:endParaRPr lang="en-US"/>
           </a:p>
@@ -2926,7 +2926,7 @@
           <a:p>
             <a:fld id="{0447C318-A4E0-4E50-B7C3-581B97AB1973}" type="datetimeFigureOut">
               <a:rPr lang="en-US" smtClean="0"/>
-              <a:t>12/6/2025</a:t>
+              <a:t>12/7/2025</a:t>
             </a:fld>
             <a:endParaRPr lang="en-US"/>
           </a:p>
@@ -3177,7 +3177,7 @@
           <a:p>
             <a:fld id="{0447C318-A4E0-4E50-B7C3-581B97AB1973}" type="datetimeFigureOut">
               <a:rPr lang="en-US" smtClean="0"/>
-              <a:t>12/6/2025</a:t>
+              <a:t>12/7/2025</a:t>
             </a:fld>
             <a:endParaRPr lang="en-US"/>
           </a:p>
@@ -3491,7 +3491,7 @@
           <a:p>
             <a:fld id="{0447C318-A4E0-4E50-B7C3-581B97AB1973}" type="datetimeFigureOut">
               <a:rPr lang="en-US" smtClean="0"/>
-              <a:t>12/6/2025</a:t>
+              <a:t>12/7/2025</a:t>
             </a:fld>
             <a:endParaRPr lang="en-US"/>
           </a:p>
@@ -3832,7 +3832,7 @@
           <a:p>
             <a:fld id="{0447C318-A4E0-4E50-B7C3-581B97AB1973}" type="datetimeFigureOut">
               <a:rPr lang="en-US" smtClean="0"/>
-              <a:t>12/6/2025</a:t>
+              <a:t>12/7/2025</a:t>
             </a:fld>
             <a:endParaRPr lang="en-US"/>
           </a:p>
@@ -4146,7 +4146,7 @@
           <a:p>
             <a:fld id="{0447C318-A4E0-4E50-B7C3-581B97AB1973}" type="datetimeFigureOut">
               <a:rPr lang="en-US" smtClean="0"/>
-              <a:t>12/6/2025</a:t>
+              <a:t>12/7/2025</a:t>
             </a:fld>
             <a:endParaRPr lang="en-US"/>
           </a:p>
@@ -4539,7 +4539,7 @@
           <a:p>
             <a:fld id="{0447C318-A4E0-4E50-B7C3-581B97AB1973}" type="datetimeFigureOut">
               <a:rPr lang="en-US" smtClean="0"/>
-              <a:t>12/6/2025</a:t>
+              <a:t>12/7/2025</a:t>
             </a:fld>
             <a:endParaRPr lang="en-US"/>
           </a:p>
@@ -4709,7 +4709,7 @@
           <a:p>
             <a:fld id="{0447C318-A4E0-4E50-B7C3-581B97AB1973}" type="datetimeFigureOut">
               <a:rPr lang="en-US" smtClean="0"/>
-              <a:t>12/6/2025</a:t>
+              <a:t>12/7/2025</a:t>
             </a:fld>
             <a:endParaRPr lang="en-US"/>
           </a:p>
@@ -4889,7 +4889,7 @@
           <a:p>
             <a:fld id="{0447C318-A4E0-4E50-B7C3-581B97AB1973}" type="datetimeFigureOut">
               <a:rPr lang="en-US" smtClean="0"/>
-              <a:t>12/6/2025</a:t>
+              <a:t>12/7/2025</a:t>
             </a:fld>
             <a:endParaRPr lang="en-US"/>
           </a:p>
@@ -5065,7 +5065,7 @@
           <a:p>
             <a:fld id="{0447C318-A4E0-4E50-B7C3-581B97AB1973}" type="datetimeFigureOut">
               <a:rPr lang="en-US" smtClean="0"/>
-              <a:t>12/6/2025</a:t>
+              <a:t>12/7/2025</a:t>
             </a:fld>
             <a:endParaRPr lang="en-US"/>
           </a:p>
@@ -5312,7 +5312,7 @@
           <a:p>
             <a:fld id="{0447C318-A4E0-4E50-B7C3-581B97AB1973}" type="datetimeFigureOut">
               <a:rPr lang="en-US" smtClean="0"/>
-              <a:t>12/6/2025</a:t>
+              <a:t>12/7/2025</a:t>
             </a:fld>
             <a:endParaRPr lang="en-US"/>
           </a:p>
@@ -5544,7 +5544,7 @@
           <a:p>
             <a:fld id="{0447C318-A4E0-4E50-B7C3-581B97AB1973}" type="datetimeFigureOut">
               <a:rPr lang="en-US" smtClean="0"/>
-              <a:t>12/6/2025</a:t>
+              <a:t>12/7/2025</a:t>
             </a:fld>
             <a:endParaRPr lang="en-US"/>
           </a:p>
@@ -5918,7 +5918,7 @@
           <a:p>
             <a:fld id="{0447C318-A4E0-4E50-B7C3-581B97AB1973}" type="datetimeFigureOut">
               <a:rPr lang="en-US" smtClean="0"/>
-              <a:t>12/6/2025</a:t>
+              <a:t>12/7/2025</a:t>
             </a:fld>
             <a:endParaRPr lang="en-US"/>
           </a:p>
@@ -6041,7 +6041,7 @@
           <a:p>
             <a:fld id="{0447C318-A4E0-4E50-B7C3-581B97AB1973}" type="datetimeFigureOut">
               <a:rPr lang="en-US" smtClean="0"/>
-              <a:t>12/6/2025</a:t>
+              <a:t>12/7/2025</a:t>
             </a:fld>
             <a:endParaRPr lang="en-US"/>
           </a:p>
@@ -6136,7 +6136,7 @@
           <a:p>
             <a:fld id="{0447C318-A4E0-4E50-B7C3-581B97AB1973}" type="datetimeFigureOut">
               <a:rPr lang="en-US" smtClean="0"/>
-              <a:t>12/6/2025</a:t>
+              <a:t>12/7/2025</a:t>
             </a:fld>
             <a:endParaRPr lang="en-US"/>
           </a:p>
@@ -6391,7 +6391,7 @@
           <a:p>
             <a:fld id="{0447C318-A4E0-4E50-B7C3-581B97AB1973}" type="datetimeFigureOut">
               <a:rPr lang="en-US" smtClean="0"/>
-              <a:t>12/6/2025</a:t>
+              <a:t>12/7/2025</a:t>
             </a:fld>
             <a:endParaRPr lang="en-US"/>
           </a:p>
@@ -6654,7 +6654,7 @@
           <a:p>
             <a:fld id="{0447C318-A4E0-4E50-B7C3-581B97AB1973}" type="datetimeFigureOut">
               <a:rPr lang="en-US" smtClean="0"/>
-              <a:t>12/6/2025</a:t>
+              <a:t>12/7/2025</a:t>
             </a:fld>
             <a:endParaRPr lang="en-US"/>
           </a:p>
@@ -7453,7 +7453,7 @@
           <a:p>
             <a:fld id="{0447C318-A4E0-4E50-B7C3-581B97AB1973}" type="datetimeFigureOut">
               <a:rPr lang="en-US" smtClean="0"/>
-              <a:t>12/6/2025</a:t>
+              <a:t>12/7/2025</a:t>
             </a:fld>
             <a:endParaRPr lang="en-US"/>
           </a:p>
@@ -37941,7 +37941,15 @@
             </a:r>
             <a:r>
               <a:rPr lang="en-US" dirty="0"/>
-              <a:t>– This script creates your VPC, Internet Gateway, route tables, subnets, security groups, S3 buckets, NAT instance, BASTION server, etc. and registers all AWS unique IDs</a:t>
+              <a:t>– This script runs VPC.REGISTER</a:t>
+            </a:r>
+            <a:r>
+              <a:rPr lang="en-US"/>
+              <a:t>, creates </a:t>
+            </a:r>
+            <a:r>
+              <a:rPr lang="en-US" dirty="0"/>
+              <a:t>your VPC, Internet Gateway, route tables, subnets, security groups, S3 buckets, NAT instance, BASTION server, etc. and registers all AWS unique IDs </a:t>
             </a:r>
           </a:p>
           <a:p>
@@ -37979,13 +37987,8 @@
             </a:r>
             <a:r>
               <a:rPr lang="en-US" dirty="0"/>
-              <a:t>– May never be needed. It will find your AWS-VPCB VPC in AWS and register all its components for the other scripts to be able to work as expected – </a:t>
-            </a:r>
-            <a:r>
-              <a:rPr lang="en-US"/>
-              <a:t>run automatically by VPC.CREATE</a:t>
-            </a:r>
-            <a:endParaRPr lang="en-US" dirty="0"/>
+              <a:t>– May never be needed. It will find your AWS-VPCB VPC in AWS and register all its components for the other scripts to be able to work as expected – run automatically by VPC.CREATE &amp; VPC.DESTROY</a:t>
+            </a:r>
           </a:p>
           <a:p>
             <a:pPr lvl="1">
@@ -38653,15 +38656,6 @@
 </file>
 
 <file path=customXml/item1.xml><?xml version="1.0" encoding="utf-8"?>
-<?mso-contentType ?>
-<FormTemplates xmlns="http://schemas.microsoft.com/sharepoint/v3/contenttype/forms">
-  <Display>DocumentLibraryForm</Display>
-  <Edit>DocumentLibraryForm</Edit>
-  <New>DocumentLibraryForm</New>
-</FormTemplates>
-</file>
-
-<file path=customXml/item2.xml><?xml version="1.0" encoding="utf-8"?>
 <ct:contentTypeSchema xmlns:ct="http://schemas.microsoft.com/office/2006/metadata/contentType" xmlns:ma="http://schemas.microsoft.com/office/2006/metadata/properties/metaAttributes" ct:_="" ma:_="" ma:contentTypeName="Document" ma:contentTypeID="0x010100716959F38EA55A4BA90BA73BD8B74083" ma:contentTypeVersion="13" ma:contentTypeDescription="Create a new document." ma:contentTypeScope="" ma:versionID="02c83718e2411f695ceb784d34d52427">
   <xsd:schema xmlns:xsd="http://www.w3.org/2001/XMLSchema" xmlns:xs="http://www.w3.org/2001/XMLSchema" xmlns:p="http://schemas.microsoft.com/office/2006/metadata/properties" xmlns:ns3="2f666f7d-4503-4647-b182-f8b2e2a05849" xmlns:ns4="ff1a04ce-0f6a-4e54-aa68-463e363c0365" targetNamespace="http://schemas.microsoft.com/office/2006/metadata/properties" ma:root="true" ma:fieldsID="8244cbcf69d4fff458706893af0db0ac" ns3:_="" ns4:_="">
     <xsd:import namespace="2f666f7d-4503-4647-b182-f8b2e2a05849"/>
@@ -38884,6 +38878,15 @@
 </ct:contentTypeSchema>
 </file>
 
+<file path=customXml/item2.xml><?xml version="1.0" encoding="utf-8"?>
+<?mso-contentType ?>
+<FormTemplates xmlns="http://schemas.microsoft.com/sharepoint/v3/contenttype/forms">
+  <Display>DocumentLibraryForm</Display>
+  <Edit>DocumentLibraryForm</Edit>
+  <New>DocumentLibraryForm</New>
+</FormTemplates>
+</file>
+
 <file path=customXml/item3.xml><?xml version="1.0" encoding="utf-8"?>
 <p:properties xmlns:p="http://schemas.microsoft.com/office/2006/metadata/properties" xmlns:xsi="http://www.w3.org/2001/XMLSchema-instance" xmlns:pc="http://schemas.microsoft.com/office/infopath/2007/PartnerControls">
   <documentManagement/>
@@ -38891,14 +38894,6 @@
 </file>
 
 <file path=customXml/itemProps1.xml><?xml version="1.0" encoding="utf-8"?>
-<ds:datastoreItem xmlns:ds="http://schemas.openxmlformats.org/officeDocument/2006/customXml" ds:itemID="{EA1BB850-1994-4BB3-B7F0-AF1262EF5EE3}">
-  <ds:schemaRefs>
-    <ds:schemaRef ds:uri="http://schemas.microsoft.com/sharepoint/v3/contenttype/forms"/>
-  </ds:schemaRefs>
-</ds:datastoreItem>
-</file>
-
-<file path=customXml/itemProps2.xml><?xml version="1.0" encoding="utf-8"?>
 <ds:datastoreItem xmlns:ds="http://schemas.openxmlformats.org/officeDocument/2006/customXml" ds:itemID="{A0FA3599-F21D-4C17-8E5C-4103717058E3}">
   <ds:schemaRefs>
     <ds:schemaRef ds:uri="http://schemas.microsoft.com/office/2006/metadata/contentType"/>
@@ -38913,6 +38908,14 @@
     <ds:schemaRef ds:uri="http://purl.org/dc/elements/1.1/"/>
     <ds:schemaRef ds:uri="http://purl.org/dc/terms/"/>
     <ds:schemaRef ds:uri="http://schemas.microsoft.com/internal/obd"/>
+  </ds:schemaRefs>
+</ds:datastoreItem>
+</file>
+
+<file path=customXml/itemProps2.xml><?xml version="1.0" encoding="utf-8"?>
+<ds:datastoreItem xmlns:ds="http://schemas.openxmlformats.org/officeDocument/2006/customXml" ds:itemID="{EA1BB850-1994-4BB3-B7F0-AF1262EF5EE3}">
+  <ds:schemaRefs>
+    <ds:schemaRef ds:uri="http://schemas.microsoft.com/sharepoint/v3/contenttype/forms"/>
   </ds:schemaRefs>
 </ds:datastoreItem>
 </file>
